--- a/基础PPT/JavaSE进阶第二版/第2章：Java字符串详解.pptx
+++ b/基础PPT/JavaSE进阶第二版/第2章：Java字符串详解.pptx
@@ -10319,6 +10319,14 @@
           </a:bodyPr>
           <a:p>
             <a:r>
+              <a:rPr lang="en-US" altLang="zh-CN"/>
+              <a:t>2</a:t>
+            </a:r>
+            <a:r>
+              <a:rPr lang="zh-CN" altLang="en-US"/>
+              <a:t>、</a:t>
+            </a:r>
+            <a:r>
               <a:rPr lang="zh-CN" altLang="en-US"/>
               <a:t>字符串常量池</a:t>
             </a:r>
@@ -10348,6 +10356,14 @@
           </a:bodyPr>
           <a:p>
             <a:r>
+              <a:rPr lang="en-US" altLang="zh-CN"/>
+              <a:t>3</a:t>
+            </a:r>
+            <a:r>
+              <a:rPr lang="zh-CN" altLang="en-US"/>
+              <a:t>、</a:t>
+            </a:r>
+            <a:r>
               <a:rPr lang="zh-CN" altLang="en-US"/>
               <a:t>字符串连接</a:t>
             </a:r>
@@ -10377,6 +10393,14 @@
           </a:bodyPr>
           <a:p>
             <a:r>
+              <a:rPr lang="en-US" altLang="zh-CN"/>
+              <a:t>4</a:t>
+            </a:r>
+            <a:r>
+              <a:rPr lang="zh-CN" altLang="en-US"/>
+              <a:t>、</a:t>
+            </a:r>
+            <a:r>
               <a:rPr lang="zh-CN" altLang="en-US"/>
               <a:t>字符串转义</a:t>
             </a:r>
@@ -10406,6 +10430,14 @@
           </a:bodyPr>
           <a:p>
             <a:r>
+              <a:rPr lang="en-US" altLang="zh-CN"/>
+              <a:t>5</a:t>
+            </a:r>
+            <a:r>
+              <a:rPr lang="zh-CN" altLang="en-US"/>
+              <a:t>、</a:t>
+            </a:r>
+            <a:r>
               <a:rPr lang="zh-CN" altLang="en-US"/>
               <a:t>字符串类常用方法</a:t>
             </a:r>
@@ -10435,6 +10467,14 @@
           </a:bodyPr>
           <a:p>
             <a:r>
+              <a:rPr lang="en-US" altLang="zh-CN"/>
+              <a:t>6</a:t>
+            </a:r>
+            <a:r>
+              <a:rPr lang="zh-CN" altLang="en-US"/>
+              <a:t>、</a:t>
+            </a:r>
+            <a:r>
               <a:rPr lang="zh-CN" altLang="en-US"/>
               <a:t>字符串格式化</a:t>
             </a:r>
@@ -10464,6 +10504,14 @@
           </a:bodyPr>
           <a:p>
             <a:r>
+              <a:rPr lang="en-US" altLang="zh-CN"/>
+              <a:t>7</a:t>
+            </a:r>
+            <a:r>
+              <a:rPr lang="zh-CN" altLang="en-US"/>
+              <a:t>、</a:t>
+            </a:r>
+            <a:r>
               <a:rPr lang="zh-CN" altLang="en-US"/>
               <a:t>使用 </a:t>
             </a:r>
@@ -10496,6 +10544,14 @@
             <a:spAutoFit/>
           </a:bodyPr>
           <a:p>
+            <a:r>
+              <a:rPr lang="en-US" altLang="zh-CN"/>
+              <a:t>1</a:t>
+            </a:r>
+            <a:r>
+              <a:rPr lang="zh-CN" altLang="en-US"/>
+              <a:t>、</a:t>
+            </a:r>
             <a:r>
               <a:rPr lang="zh-CN" altLang="en-US"/>
               <a:t>字符串的不可变性</a:t>
